--- a/img/dq3-2.pptx
+++ b/img/dq3-2.pptx
@@ -151,7 +151,7 @@
       </p14:sectionLst>
     </p:ext>
     <p:ext uri="{EFAFB233-063F-42B5-8137-9DF3F51BA10A}">
-      <p15:sldGuideLst xmlns:p15="http://schemas.microsoft.com/office/powerpoint/2012/main" xmlns="">
+      <p15:sldGuideLst xmlns="" xmlns:p15="http://schemas.microsoft.com/office/powerpoint/2012/main">
         <p15:guide id="1" orient="horz" pos="2160">
           <p15:clr>
             <a:srgbClr val="A4A3A4"/>
@@ -165,7 +165,7 @@
       </p15:sldGuideLst>
     </p:ext>
     <p:ext uri="{2D200454-40CA-4A62-9FC3-DE9A4176ACB9}">
-      <p15:notesGuideLst xmlns:p15="http://schemas.microsoft.com/office/powerpoint/2012/main" xmlns="">
+      <p15:notesGuideLst xmlns="" xmlns:p15="http://schemas.microsoft.com/office/powerpoint/2012/main">
         <p15:guide id="1" orient="horz" pos="3223">
           <p15:clr>
             <a:srgbClr val="A4A3A4"/>
@@ -2497,9 +2497,8 @@
             </a:pathLst>
           </a:custGeom>
           <a:solidFill>
-            <a:schemeClr val="accent6">
-              <a:lumMod val="60000"/>
-              <a:lumOff val="40000"/>
+            <a:schemeClr val="bg1">
+              <a:lumMod val="85000"/>
             </a:schemeClr>
           </a:solidFill>
           <a:ln>
@@ -3136,9 +3135,8 @@
             </a:pathLst>
           </a:custGeom>
           <a:solidFill>
-            <a:schemeClr val="accent6">
-              <a:lumMod val="60000"/>
-              <a:lumOff val="40000"/>
+            <a:schemeClr val="bg1">
+              <a:lumMod val="85000"/>
             </a:schemeClr>
           </a:solidFill>
           <a:ln>
@@ -3469,9 +3467,8 @@
             </a:pathLst>
           </a:custGeom>
           <a:solidFill>
-            <a:schemeClr val="accent6">
-              <a:lumMod val="60000"/>
-              <a:lumOff val="40000"/>
+            <a:schemeClr val="bg1">
+              <a:lumMod val="85000"/>
             </a:schemeClr>
           </a:solidFill>
           <a:ln>
@@ -3962,9 +3959,8 @@
             </a:pathLst>
           </a:custGeom>
           <a:solidFill>
-            <a:schemeClr val="accent6">
-              <a:lumMod val="60000"/>
-              <a:lumOff val="40000"/>
+            <a:schemeClr val="bg1">
+              <a:lumMod val="85000"/>
             </a:schemeClr>
           </a:solidFill>
           <a:ln>
@@ -4781,9 +4777,8 @@
             </a:pathLst>
           </a:custGeom>
           <a:solidFill>
-            <a:schemeClr val="accent6">
-              <a:lumMod val="60000"/>
-              <a:lumOff val="40000"/>
+            <a:schemeClr val="bg1">
+              <a:lumMod val="85000"/>
             </a:schemeClr>
           </a:solidFill>
           <a:ln>
@@ -4835,7 +4830,10 @@
             <a:avLst/>
           </a:prstGeom>
           <a:solidFill>
-            <a:srgbClr val="6699FF"/>
+            <a:schemeClr val="tx1">
+              <a:lumMod val="75000"/>
+              <a:lumOff val="25000"/>
+            </a:schemeClr>
           </a:solidFill>
           <a:ln>
             <a:noFill/>
@@ -4886,7 +4884,10 @@
             <a:avLst/>
           </a:prstGeom>
           <a:solidFill>
-            <a:srgbClr val="6699FF"/>
+            <a:schemeClr val="tx1">
+              <a:lumMod val="75000"/>
+              <a:lumOff val="25000"/>
+            </a:schemeClr>
           </a:solidFill>
           <a:ln>
             <a:noFill/>
@@ -4937,7 +4938,10 @@
             <a:avLst/>
           </a:prstGeom>
           <a:solidFill>
-            <a:srgbClr val="6699FF"/>
+            <a:schemeClr val="tx1">
+              <a:lumMod val="75000"/>
+              <a:lumOff val="25000"/>
+            </a:schemeClr>
           </a:solidFill>
           <a:ln>
             <a:noFill/>
@@ -4988,7 +4992,10 @@
             <a:avLst/>
           </a:prstGeom>
           <a:solidFill>
-            <a:srgbClr val="6699FF"/>
+            <a:schemeClr val="tx1">
+              <a:lumMod val="75000"/>
+              <a:lumOff val="25000"/>
+            </a:schemeClr>
           </a:solidFill>
           <a:ln>
             <a:noFill/>
@@ -5039,7 +5046,10 @@
             <a:avLst/>
           </a:prstGeom>
           <a:solidFill>
-            <a:srgbClr val="6699FF"/>
+            <a:schemeClr val="tx1">
+              <a:lumMod val="75000"/>
+              <a:lumOff val="25000"/>
+            </a:schemeClr>
           </a:solidFill>
           <a:ln>
             <a:noFill/>
@@ -5611,9 +5621,8 @@
             </a:pathLst>
           </a:custGeom>
           <a:solidFill>
-            <a:schemeClr val="accent6">
-              <a:lumMod val="60000"/>
-              <a:lumOff val="40000"/>
+            <a:schemeClr val="bg1">
+              <a:lumMod val="85000"/>
             </a:schemeClr>
           </a:solidFill>
           <a:ln>
@@ -6038,9 +6047,8 @@
             </a:pathLst>
           </a:custGeom>
           <a:solidFill>
-            <a:schemeClr val="accent6">
-              <a:lumMod val="60000"/>
-              <a:lumOff val="40000"/>
+            <a:schemeClr val="bg1">
+              <a:lumMod val="85000"/>
             </a:schemeClr>
           </a:solidFill>
           <a:ln>
@@ -6601,9 +6609,8 @@
             </a:pathLst>
           </a:custGeom>
           <a:solidFill>
-            <a:schemeClr val="accent6">
-              <a:lumMod val="60000"/>
-              <a:lumOff val="40000"/>
+            <a:schemeClr val="bg1">
+              <a:lumMod val="85000"/>
             </a:schemeClr>
           </a:solidFill>
           <a:ln>
@@ -6655,7 +6662,10 @@
             <a:avLst/>
           </a:prstGeom>
           <a:solidFill>
-            <a:srgbClr val="6699FF"/>
+            <a:schemeClr val="tx1">
+              <a:lumMod val="75000"/>
+              <a:lumOff val="25000"/>
+            </a:schemeClr>
           </a:solidFill>
           <a:ln>
             <a:noFill/>
@@ -7442,9 +7452,8 @@
             </a:pathLst>
           </a:custGeom>
           <a:solidFill>
-            <a:schemeClr val="accent6">
-              <a:lumMod val="60000"/>
-              <a:lumOff val="40000"/>
+            <a:schemeClr val="bg1">
+              <a:lumMod val="85000"/>
             </a:schemeClr>
           </a:solidFill>
           <a:ln>
@@ -7801,9 +7810,8 @@
             </a:pathLst>
           </a:custGeom>
           <a:solidFill>
-            <a:schemeClr val="accent6">
-              <a:lumMod val="60000"/>
-              <a:lumOff val="40000"/>
+            <a:schemeClr val="bg1">
+              <a:lumMod val="85000"/>
             </a:schemeClr>
           </a:solidFill>
           <a:ln>
